--- a/slides/Week 2 - exploratory data analysis.pptx
+++ b/slides/Week 2 - exploratory data analysis.pptx
@@ -248,7 +248,6 @@
           </a:p>
         </c:rich>
       </c:tx>
-      <c:layout/>
       <c:overlay val="0"/>
     </c:title>
     <c:autoTitleDeleted val="0"/>
@@ -300,7 +299,6 @@
             <c:showLeaderLines val="0"/>
             <c:extLst>
               <c:ext xmlns:c15="http://schemas.microsoft.com/office/drawing/2012/chart" uri="{CE6537A1-D6FC-4f65-9D91-7224C49458BB}">
-                <c15:layout/>
                 <c15:showLeaderLines val="0"/>
               </c:ext>
             </c:extLst>
@@ -389,7 +387,6 @@
             <c:showLeaderLines val="0"/>
             <c:extLst>
               <c:ext xmlns:c15="http://schemas.microsoft.com/office/drawing/2012/chart" uri="{CE6537A1-D6FC-4f65-9D91-7224C49458BB}">
-                <c15:layout/>
                 <c15:showLeaderLines val="0"/>
               </c:ext>
             </c:extLst>
@@ -467,9 +464,7 @@
               <c:showPercent val="0"/>
               <c:showBubbleSize val="0"/>
               <c:extLst>
-                <c:ext xmlns:c15="http://schemas.microsoft.com/office/drawing/2012/chart" uri="{CE6537A1-D6FC-4f65-9D91-7224C49458BB}">
-                  <c15:layout/>
-                </c:ext>
+                <c:ext xmlns:c15="http://schemas.microsoft.com/office/drawing/2012/chart" uri="{CE6537A1-D6FC-4f65-9D91-7224C49458BB}"/>
                 <c:ext xmlns:c16="http://schemas.microsoft.com/office/drawing/2014/chart" uri="{C3380CC4-5D6E-409C-BE32-E72D297353CC}">
                   <c16:uniqueId val="{00000002-A810-4F4D-9634-E34E1B2D4C60}"/>
                 </c:ext>
@@ -501,7 +496,6 @@
             <c:showLeaderLines val="0"/>
             <c:extLst>
               <c:ext xmlns:c15="http://schemas.microsoft.com/office/drawing/2012/chart" uri="{CE6537A1-D6FC-4f65-9D91-7224C49458BB}">
-                <c15:layout/>
                 <c15:showLeaderLines val="0"/>
               </c:ext>
             </c:extLst>
@@ -606,7 +600,6 @@
     </c:plotArea>
     <c:legend>
       <c:legendPos val="r"/>
-      <c:layout/>
       <c:overlay val="0"/>
       <c:txPr>
         <a:bodyPr/>
@@ -673,7 +666,6 @@
           </a:p>
         </c:rich>
       </c:tx>
-      <c:layout/>
       <c:overlay val="0"/>
     </c:title>
     <c:autoTitleDeleted val="0"/>
@@ -725,7 +717,6 @@
             <c:showLeaderLines val="0"/>
             <c:extLst>
               <c:ext xmlns:c15="http://schemas.microsoft.com/office/drawing/2012/chart" uri="{CE6537A1-D6FC-4f65-9D91-7224C49458BB}">
-                <c15:layout/>
                 <c15:showLeaderLines val="0"/>
               </c:ext>
             </c:extLst>
@@ -804,7 +795,6 @@
             <c:showLeaderLines val="0"/>
             <c:extLst>
               <c:ext xmlns:c15="http://schemas.microsoft.com/office/drawing/2012/chart" uri="{CE6537A1-D6FC-4f65-9D91-7224C49458BB}">
-                <c15:layout/>
                 <c15:showLeaderLines val="0"/>
               </c:ext>
             </c:extLst>
@@ -882,9 +872,7 @@
               <c:showPercent val="0"/>
               <c:showBubbleSize val="0"/>
               <c:extLst>
-                <c:ext xmlns:c15="http://schemas.microsoft.com/office/drawing/2012/chart" uri="{CE6537A1-D6FC-4f65-9D91-7224C49458BB}">
-                  <c15:layout/>
-                </c:ext>
+                <c:ext xmlns:c15="http://schemas.microsoft.com/office/drawing/2012/chart" uri="{CE6537A1-D6FC-4f65-9D91-7224C49458BB}"/>
                 <c:ext xmlns:c16="http://schemas.microsoft.com/office/drawing/2014/chart" uri="{C3380CC4-5D6E-409C-BE32-E72D297353CC}">
                   <c16:uniqueId val="{00000002-B876-450A-9318-8A0DEE195A47}"/>
                 </c:ext>
@@ -906,7 +894,6 @@
             <c:showLeaderLines val="0"/>
             <c:extLst>
               <c:ext xmlns:c15="http://schemas.microsoft.com/office/drawing/2012/chart" uri="{CE6537A1-D6FC-4f65-9D91-7224C49458BB}">
-                <c15:layout/>
                 <c15:showLeaderLines val="0"/>
               </c:ext>
             </c:extLst>
@@ -1002,7 +989,6 @@
     </c:plotArea>
     <c:legend>
       <c:legendPos val="r"/>
-      <c:layout/>
       <c:overlay val="0"/>
     </c:legend>
     <c:plotVisOnly val="1"/>
@@ -1059,7 +1045,6 @@
           </a:p>
         </c:rich>
       </c:tx>
-      <c:layout/>
       <c:overlay val="0"/>
     </c:title>
     <c:autoTitleDeleted val="0"/>
@@ -1101,7 +1086,6 @@
             <c:showLeaderLines val="0"/>
             <c:extLst>
               <c:ext xmlns:c15="http://schemas.microsoft.com/office/drawing/2012/chart" uri="{CE6537A1-D6FC-4f65-9D91-7224C49458BB}">
-                <c15:layout/>
                 <c15:showLeaderLines val="0"/>
               </c:ext>
             </c:extLst>
@@ -1180,7 +1164,6 @@
             <c:showLeaderLines val="0"/>
             <c:extLst>
               <c:ext xmlns:c15="http://schemas.microsoft.com/office/drawing/2012/chart" uri="{CE6537A1-D6FC-4f65-9D91-7224C49458BB}">
-                <c15:layout/>
                 <c15:showLeaderLines val="0"/>
               </c:ext>
             </c:extLst>
@@ -1258,9 +1241,7 @@
               <c:showPercent val="0"/>
               <c:showBubbleSize val="0"/>
               <c:extLst>
-                <c:ext xmlns:c15="http://schemas.microsoft.com/office/drawing/2012/chart" uri="{CE6537A1-D6FC-4f65-9D91-7224C49458BB}">
-                  <c15:layout/>
-                </c:ext>
+                <c:ext xmlns:c15="http://schemas.microsoft.com/office/drawing/2012/chart" uri="{CE6537A1-D6FC-4f65-9D91-7224C49458BB}"/>
                 <c:ext xmlns:c16="http://schemas.microsoft.com/office/drawing/2014/chart" uri="{C3380CC4-5D6E-409C-BE32-E72D297353CC}">
                   <c16:uniqueId val="{00000002-ED64-4ED1-A4A4-E069D9ECFC08}"/>
                 </c:ext>
@@ -1282,7 +1263,6 @@
             <c:showLeaderLines val="0"/>
             <c:extLst>
               <c:ext xmlns:c15="http://schemas.microsoft.com/office/drawing/2012/chart" uri="{CE6537A1-D6FC-4f65-9D91-7224C49458BB}">
-                <c15:layout/>
                 <c15:showLeaderLines val="0"/>
               </c:ext>
             </c:extLst>
@@ -1378,7 +1358,6 @@
     </c:plotArea>
     <c:legend>
       <c:legendPos val="r"/>
-      <c:layout/>
       <c:overlay val="0"/>
     </c:legend>
     <c:plotVisOnly val="1"/>
@@ -1504,7 +1483,7 @@
             <a:fld id="{373F1B60-BDF4-4D63-AD79-99D5A5B1DF99}" type="datetime1">
               <a:rPr lang="en-US"/>
               <a:pPr/>
-              <a:t>11/20/2019</a:t>
+              <a:t>11/28/2019</a:t>
             </a:fld>
             <a:endParaRPr lang="en-US"/>
           </a:p>
@@ -1723,7 +1702,7 @@
             <a:fld id="{4387A7AA-DFE9-4771-BEDE-3294FCEBFB02}" type="datetime1">
               <a:rPr lang="en-US"/>
               <a:pPr/>
-              <a:t>11/20/2019</a:t>
+              <a:t>11/28/2019</a:t>
             </a:fld>
             <a:endParaRPr lang="en-US"/>
           </a:p>
@@ -2114,7 +2093,7 @@
             <a:fld id="{8541E2CD-DBF4-40F9-B6F8-EEFD0DF8A138}" type="datetime1">
               <a:rPr lang="en-US"/>
               <a:pPr/>
-              <a:t>11/20/2019</a:t>
+              <a:t>11/28/2019</a:t>
             </a:fld>
             <a:endParaRPr lang="en-US"/>
           </a:p>
@@ -2329,7 +2308,7 @@
             <a:fld id="{93F21019-3A00-48AC-9663-40DF67A83229}" type="datetime1">
               <a:rPr lang="en-US"/>
               <a:pPr/>
-              <a:t>11/20/2019</a:t>
+              <a:t>11/28/2019</a:t>
             </a:fld>
             <a:endParaRPr lang="en-US">
               <a:solidFill>
@@ -2515,7 +2494,7 @@
             <a:fld id="{8B2EF9C8-0AC3-4A53-9A61-1834A571F420}" type="datetime1">
               <a:rPr lang="en-US"/>
               <a:pPr/>
-              <a:t>11/20/2019</a:t>
+              <a:t>11/28/2019</a:t>
             </a:fld>
             <a:endParaRPr lang="en-US" sz="1400">
               <a:solidFill>
@@ -2712,7 +2691,7 @@
             <a:fld id="{F02960F3-A385-4905-A491-FDC17E063DD1}" type="datetime1">
               <a:rPr lang="en-US"/>
               <a:pPr/>
-              <a:t>11/20/2019</a:t>
+              <a:t>11/28/2019</a:t>
             </a:fld>
             <a:endParaRPr lang="en-US" sz="1400">
               <a:solidFill>
@@ -2971,7 +2950,7 @@
             <a:fld id="{CD3AD70A-8E2A-47B5-AC18-ABBB5A8E737D}" type="datetime1">
               <a:rPr lang="en-US"/>
               <a:pPr/>
-              <a:t>11/20/2019</a:t>
+              <a:t>11/28/2019</a:t>
             </a:fld>
             <a:endParaRPr lang="en-US" sz="1400">
               <a:solidFill>
@@ -3207,7 +3186,7 @@
             <a:fld id="{07008C2E-9BD6-496B-BFC3-B4A975EBC85E}" type="datetime1">
               <a:rPr lang="en-US"/>
               <a:pPr/>
-              <a:t>11/20/2019</a:t>
+              <a:t>11/28/2019</a:t>
             </a:fld>
             <a:endParaRPr lang="en-US" sz="1400">
               <a:solidFill>
@@ -3386,7 +3365,7 @@
             <a:fld id="{1AA2C3CF-866C-4FDE-B76D-4E9536901630}" type="datetime1">
               <a:rPr lang="en-US"/>
               <a:pPr/>
-              <a:t>11/20/2019</a:t>
+              <a:t>11/28/2019</a:t>
             </a:fld>
             <a:endParaRPr lang="en-US" sz="1400">
               <a:solidFill>
@@ -3565,7 +3544,7 @@
             <a:fld id="{555EE259-FE08-4558-B721-B189FFE77284}" type="datetime1">
               <a:rPr lang="en-US"/>
               <a:pPr/>
-              <a:t>11/20/2019</a:t>
+              <a:t>11/28/2019</a:t>
             </a:fld>
             <a:endParaRPr lang="en-US" sz="1400">
               <a:solidFill>
@@ -3834,7 +3813,7 @@
             <a:fld id="{0AF4064E-5624-49AB-B7C6-E301A8F6B1FF}" type="datetime1">
               <a:rPr lang="en-US"/>
               <a:pPr/>
-              <a:t>11/20/2019</a:t>
+              <a:t>11/28/2019</a:t>
             </a:fld>
             <a:endParaRPr lang="en-US" sz="1400">
               <a:solidFill>
@@ -4031,7 +4010,7 @@
             <a:fld id="{CBC97FCD-6C54-4833-B032-BFBCDFA8379D}" type="datetime1">
               <a:rPr lang="en-US"/>
               <a:pPr/>
-              <a:t>11/20/2019</a:t>
+              <a:t>11/28/2019</a:t>
             </a:fld>
             <a:endParaRPr lang="en-US" sz="1400">
               <a:solidFill>
@@ -4240,7 +4219,7 @@
             <a:fld id="{F04AA577-515A-431F-98B6-3B03494ABB11}" type="datetime1">
               <a:rPr lang="en-US"/>
               <a:pPr/>
-              <a:t>11/20/2019</a:t>
+              <a:t>11/28/2019</a:t>
             </a:fld>
             <a:endParaRPr lang="en-US" sz="1400">
               <a:solidFill>
@@ -4545,7 +4524,7 @@
             <a:fld id="{6475F1A4-C474-4345-A800-2F40B0E4E70C}" type="datetime1">
               <a:rPr lang="en-US"/>
               <a:pPr/>
-              <a:t>11/20/2019</a:t>
+              <a:t>11/28/2019</a:t>
             </a:fld>
             <a:endParaRPr lang="en-US" sz="1400">
               <a:solidFill>
@@ -4989,7 +4968,7 @@
             <a:fld id="{7BA535AB-820E-4207-9DA8-5F37106C7AF4}" type="datetime1">
               <a:rPr lang="en-US"/>
               <a:pPr/>
-              <a:t>11/20/2019</a:t>
+              <a:t>11/28/2019</a:t>
             </a:fld>
             <a:endParaRPr lang="en-US" sz="1400">
               <a:solidFill>
@@ -5124,7 +5103,7 @@
             <a:fld id="{0A7E69FA-D7EE-42C0-9117-1971B541885F}" type="datetime1">
               <a:rPr lang="en-US"/>
               <a:pPr/>
-              <a:t>11/20/2019</a:t>
+              <a:t>11/28/2019</a:t>
             </a:fld>
             <a:endParaRPr lang="en-US" sz="1400">
               <a:solidFill>
@@ -5236,7 +5215,7 @@
             <a:fld id="{10D7644E-1B5D-4325-BA79-338DF2B89B56}" type="datetime1">
               <a:rPr lang="en-US"/>
               <a:pPr/>
-              <a:t>11/20/2019</a:t>
+              <a:t>11/28/2019</a:t>
             </a:fld>
             <a:endParaRPr lang="en-US" sz="1400">
               <a:solidFill>
@@ -5530,7 +5509,7 @@
             <a:fld id="{B790C882-0B74-4932-8998-E9ABB8AF1740}" type="datetime1">
               <a:rPr lang="en-US"/>
               <a:pPr/>
-              <a:t>11/20/2019</a:t>
+              <a:t>11/28/2019</a:t>
             </a:fld>
             <a:endParaRPr lang="en-US" sz="1400">
               <a:solidFill>
@@ -5800,7 +5779,7 @@
             <a:fld id="{9DC585DC-AE7D-44C1-90AB-C3A391DEA065}" type="datetime1">
               <a:rPr lang="en-US"/>
               <a:pPr/>
-              <a:t>11/20/2019</a:t>
+              <a:t>11/28/2019</a:t>
             </a:fld>
             <a:endParaRPr lang="en-US" sz="1400">
               <a:solidFill>
@@ -6064,7 +6043,7 @@
             <a:fld id="{256CE565-1940-4E5F-9190-C0815CEAAA9D}" type="datetime1">
               <a:rPr lang="en-US"/>
               <a:pPr/>
-              <a:t>11/20/2019</a:t>
+              <a:t>11/28/2019</a:t>
             </a:fld>
             <a:endParaRPr lang="en-US"/>
           </a:p>
@@ -20534,7 +20513,7 @@
         <p:spPr bwMode="auto">
           <a:xfrm>
             <a:off x="683568" y="1340768"/>
-            <a:ext cx="7881938" cy="7589770"/>
+            <a:ext cx="7881938" cy="7805214"/>
           </a:xfrm>
           <a:prstGeom prst="rect">
             <a:avLst/>
@@ -21618,8 +21597,61 @@
                 <a:latin typeface="Courier New" panose="02070309020205020404" pitchFamily="49" charset="0"/>
                 <a:cs typeface="Courier New" panose="02070309020205020404" pitchFamily="49" charset="0"/>
               </a:rPr>
-              <a:t> matrix</a:t>
-            </a:r>
+              <a:t> </a:t>
+            </a:r>
+            <a:r>
+              <a:rPr lang="nl-NL" sz="1400" kern="0" dirty="0" smtClean="0">
+                <a:latin typeface="Courier New" panose="02070309020205020404" pitchFamily="49" charset="0"/>
+                <a:cs typeface="Courier New" panose="02070309020205020404" pitchFamily="49" charset="0"/>
+              </a:rPr>
+              <a:t>matrix </a:t>
+            </a:r>
+            <a:r>
+              <a:rPr lang="nl-NL" sz="1400" kern="0" dirty="0" err="1" smtClean="0">
+                <a:latin typeface="Courier New" panose="02070309020205020404" pitchFamily="49" charset="0"/>
+                <a:cs typeface="Courier New" panose="02070309020205020404" pitchFamily="49" charset="0"/>
+              </a:rPr>
+              <a:t>and</a:t>
+            </a:r>
+            <a:r>
+              <a:rPr lang="nl-NL" sz="1400" kern="0" dirty="0" smtClean="0">
+                <a:latin typeface="Courier New" panose="02070309020205020404" pitchFamily="49" charset="0"/>
+                <a:cs typeface="Courier New" panose="02070309020205020404" pitchFamily="49" charset="0"/>
+              </a:rPr>
+              <a:t> a </a:t>
+            </a:r>
+            <a:r>
+              <a:rPr lang="nl-NL" sz="1400" kern="0" dirty="0" err="1" smtClean="0">
+                <a:latin typeface="Courier New" panose="02070309020205020404" pitchFamily="49" charset="0"/>
+                <a:cs typeface="Courier New" panose="02070309020205020404" pitchFamily="49" charset="0"/>
+              </a:rPr>
+              <a:t>correlation</a:t>
+            </a:r>
+            <a:r>
+              <a:rPr lang="nl-NL" sz="1400" kern="0" dirty="0" smtClean="0">
+                <a:latin typeface="Courier New" panose="02070309020205020404" pitchFamily="49" charset="0"/>
+                <a:cs typeface="Courier New" panose="02070309020205020404" pitchFamily="49" charset="0"/>
+              </a:rPr>
+              <a:t> matrix. </a:t>
+            </a:r>
+            <a:r>
+              <a:rPr lang="nl-NL" sz="1400" kern="0" dirty="0" err="1" smtClean="0">
+                <a:latin typeface="Courier New" panose="02070309020205020404" pitchFamily="49" charset="0"/>
+                <a:cs typeface="Courier New" panose="02070309020205020404" pitchFamily="49" charset="0"/>
+              </a:rPr>
+              <a:t>Visualize</a:t>
+            </a:r>
+            <a:r>
+              <a:rPr lang="nl-NL" sz="1400" kern="0" dirty="0" smtClean="0">
+                <a:latin typeface="Courier New" panose="02070309020205020404" pitchFamily="49" charset="0"/>
+                <a:cs typeface="Courier New" panose="02070309020205020404" pitchFamily="49" charset="0"/>
+              </a:rPr>
+              <a:t> this matrix in a heat map.</a:t>
+            </a:r>
+            <a:endParaRPr lang="nl-NL" sz="1400" kern="0" dirty="0">
+              <a:latin typeface="Courier New" panose="02070309020205020404" pitchFamily="49" charset="0"/>
+              <a:cs typeface="Courier New" panose="02070309020205020404" pitchFamily="49" charset="0"/>
+            </a:endParaRPr>
           </a:p>
           <a:p>
             <a:pPr>

--- a/slides/Week 2 - exploratory data analysis.pptx
+++ b/slides/Week 2 - exploratory data analysis.pptx
@@ -1483,7 +1483,7 @@
             <a:fld id="{373F1B60-BDF4-4D63-AD79-99D5A5B1DF99}" type="datetime1">
               <a:rPr lang="en-US"/>
               <a:pPr/>
-              <a:t>11/28/2019</a:t>
+              <a:t>11/26/2020</a:t>
             </a:fld>
             <a:endParaRPr lang="en-US"/>
           </a:p>
@@ -1702,7 +1702,7 @@
             <a:fld id="{4387A7AA-DFE9-4771-BEDE-3294FCEBFB02}" type="datetime1">
               <a:rPr lang="en-US"/>
               <a:pPr/>
-              <a:t>11/28/2019</a:t>
+              <a:t>11/26/2020</a:t>
             </a:fld>
             <a:endParaRPr lang="en-US"/>
           </a:p>
@@ -2093,7 +2093,7 @@
             <a:fld id="{8541E2CD-DBF4-40F9-B6F8-EEFD0DF8A138}" type="datetime1">
               <a:rPr lang="en-US"/>
               <a:pPr/>
-              <a:t>11/28/2019</a:t>
+              <a:t>11/26/2020</a:t>
             </a:fld>
             <a:endParaRPr lang="en-US"/>
           </a:p>
@@ -2308,7 +2308,7 @@
             <a:fld id="{93F21019-3A00-48AC-9663-40DF67A83229}" type="datetime1">
               <a:rPr lang="en-US"/>
               <a:pPr/>
-              <a:t>11/28/2019</a:t>
+              <a:t>11/26/2020</a:t>
             </a:fld>
             <a:endParaRPr lang="en-US">
               <a:solidFill>
@@ -2494,7 +2494,7 @@
             <a:fld id="{8B2EF9C8-0AC3-4A53-9A61-1834A571F420}" type="datetime1">
               <a:rPr lang="en-US"/>
               <a:pPr/>
-              <a:t>11/28/2019</a:t>
+              <a:t>11/26/2020</a:t>
             </a:fld>
             <a:endParaRPr lang="en-US" sz="1400">
               <a:solidFill>
@@ -2691,7 +2691,7 @@
             <a:fld id="{F02960F3-A385-4905-A491-FDC17E063DD1}" type="datetime1">
               <a:rPr lang="en-US"/>
               <a:pPr/>
-              <a:t>11/28/2019</a:t>
+              <a:t>11/26/2020</a:t>
             </a:fld>
             <a:endParaRPr lang="en-US" sz="1400">
               <a:solidFill>
@@ -2950,7 +2950,7 @@
             <a:fld id="{CD3AD70A-8E2A-47B5-AC18-ABBB5A8E737D}" type="datetime1">
               <a:rPr lang="en-US"/>
               <a:pPr/>
-              <a:t>11/28/2019</a:t>
+              <a:t>11/26/2020</a:t>
             </a:fld>
             <a:endParaRPr lang="en-US" sz="1400">
               <a:solidFill>
@@ -3186,7 +3186,7 @@
             <a:fld id="{07008C2E-9BD6-496B-BFC3-B4A975EBC85E}" type="datetime1">
               <a:rPr lang="en-US"/>
               <a:pPr/>
-              <a:t>11/28/2019</a:t>
+              <a:t>11/26/2020</a:t>
             </a:fld>
             <a:endParaRPr lang="en-US" sz="1400">
               <a:solidFill>
@@ -3365,7 +3365,7 @@
             <a:fld id="{1AA2C3CF-866C-4FDE-B76D-4E9536901630}" type="datetime1">
               <a:rPr lang="en-US"/>
               <a:pPr/>
-              <a:t>11/28/2019</a:t>
+              <a:t>11/26/2020</a:t>
             </a:fld>
             <a:endParaRPr lang="en-US" sz="1400">
               <a:solidFill>
@@ -3544,7 +3544,7 @@
             <a:fld id="{555EE259-FE08-4558-B721-B189FFE77284}" type="datetime1">
               <a:rPr lang="en-US"/>
               <a:pPr/>
-              <a:t>11/28/2019</a:t>
+              <a:t>11/26/2020</a:t>
             </a:fld>
             <a:endParaRPr lang="en-US" sz="1400">
               <a:solidFill>
@@ -3813,7 +3813,7 @@
             <a:fld id="{0AF4064E-5624-49AB-B7C6-E301A8F6B1FF}" type="datetime1">
               <a:rPr lang="en-US"/>
               <a:pPr/>
-              <a:t>11/28/2019</a:t>
+              <a:t>11/26/2020</a:t>
             </a:fld>
             <a:endParaRPr lang="en-US" sz="1400">
               <a:solidFill>
@@ -4010,7 +4010,7 @@
             <a:fld id="{CBC97FCD-6C54-4833-B032-BFBCDFA8379D}" type="datetime1">
               <a:rPr lang="en-US"/>
               <a:pPr/>
-              <a:t>11/28/2019</a:t>
+              <a:t>11/26/2020</a:t>
             </a:fld>
             <a:endParaRPr lang="en-US" sz="1400">
               <a:solidFill>
@@ -4219,7 +4219,7 @@
             <a:fld id="{F04AA577-515A-431F-98B6-3B03494ABB11}" type="datetime1">
               <a:rPr lang="en-US"/>
               <a:pPr/>
-              <a:t>11/28/2019</a:t>
+              <a:t>11/26/2020</a:t>
             </a:fld>
             <a:endParaRPr lang="en-US" sz="1400">
               <a:solidFill>
@@ -4524,7 +4524,7 @@
             <a:fld id="{6475F1A4-C474-4345-A800-2F40B0E4E70C}" type="datetime1">
               <a:rPr lang="en-US"/>
               <a:pPr/>
-              <a:t>11/28/2019</a:t>
+              <a:t>11/26/2020</a:t>
             </a:fld>
             <a:endParaRPr lang="en-US" sz="1400">
               <a:solidFill>
@@ -4968,7 +4968,7 @@
             <a:fld id="{7BA535AB-820E-4207-9DA8-5F37106C7AF4}" type="datetime1">
               <a:rPr lang="en-US"/>
               <a:pPr/>
-              <a:t>11/28/2019</a:t>
+              <a:t>11/26/2020</a:t>
             </a:fld>
             <a:endParaRPr lang="en-US" sz="1400">
               <a:solidFill>
@@ -5103,7 +5103,7 @@
             <a:fld id="{0A7E69FA-D7EE-42C0-9117-1971B541885F}" type="datetime1">
               <a:rPr lang="en-US"/>
               <a:pPr/>
-              <a:t>11/28/2019</a:t>
+              <a:t>11/26/2020</a:t>
             </a:fld>
             <a:endParaRPr lang="en-US" sz="1400">
               <a:solidFill>
@@ -5215,7 +5215,7 @@
             <a:fld id="{10D7644E-1B5D-4325-BA79-338DF2B89B56}" type="datetime1">
               <a:rPr lang="en-US"/>
               <a:pPr/>
-              <a:t>11/28/2019</a:t>
+              <a:t>11/26/2020</a:t>
             </a:fld>
             <a:endParaRPr lang="en-US" sz="1400">
               <a:solidFill>
@@ -5509,7 +5509,7 @@
             <a:fld id="{B790C882-0B74-4932-8998-E9ABB8AF1740}" type="datetime1">
               <a:rPr lang="en-US"/>
               <a:pPr/>
-              <a:t>11/28/2019</a:t>
+              <a:t>11/26/2020</a:t>
             </a:fld>
             <a:endParaRPr lang="en-US" sz="1400">
               <a:solidFill>
@@ -5779,7 +5779,7 @@
             <a:fld id="{9DC585DC-AE7D-44C1-90AB-C3A391DEA065}" type="datetime1">
               <a:rPr lang="en-US"/>
               <a:pPr/>
-              <a:t>11/28/2019</a:t>
+              <a:t>11/26/2020</a:t>
             </a:fld>
             <a:endParaRPr lang="en-US" sz="1400">
               <a:solidFill>
@@ -6043,7 +6043,7 @@
             <a:fld id="{256CE565-1940-4E5F-9190-C0815CEAAA9D}" type="datetime1">
               <a:rPr lang="en-US"/>
               <a:pPr/>
-              <a:t>11/28/2019</a:t>
+              <a:t>11/26/2020</a:t>
             </a:fld>
             <a:endParaRPr lang="en-US"/>
           </a:p>
@@ -19412,22 +19412,29 @@
           <a:lstStyle/>
           <a:p>
             <a:r>
-              <a:rPr lang="nl-NL" dirty="0" smtClean="0"/>
-              <a:t>Correlation: </a:t>
-            </a:r>
-            <a:r>
-              <a:rPr lang="nl-NL" dirty="0" err="1" smtClean="0"/>
-              <a:t>Pearson’s</a:t>
-            </a:r>
-            <a:r>
-              <a:rPr lang="nl-NL" dirty="0" smtClean="0"/>
-              <a:t> </a:t>
-            </a:r>
-            <a:r>
-              <a:rPr lang="nl-NL" i="1" dirty="0" smtClean="0"/>
-              <a:t>r</a:t>
-            </a:r>
-            <a:endParaRPr lang="nl-NL" i="1" dirty="0"/>
+              <a:rPr lang="nl-NL" smtClean="0"/>
+              <a:t>Correlation: Pearson’s r</a:t>
+            </a:r>
+            <a:endParaRPr lang="nl-NL" dirty="0"/>
+          </a:p>
+        </p:txBody>
+      </p:sp>
+      <p:sp>
+        <p:nvSpPr>
+          <p:cNvPr id="5" name="Tijdelijke aanduiding voor inhoud 4"/>
+          <p:cNvSpPr>
+            <a:spLocks noGrp="1"/>
+          </p:cNvSpPr>
+          <p:nvPr>
+            <p:ph idx="1"/>
+          </p:nvPr>
+        </p:nvSpPr>
+        <p:spPr/>
+        <p:txBody>
+          <a:bodyPr/>
+          <a:lstStyle/>
+          <a:p>
+            <a:endParaRPr lang="nl-NL"/>
           </a:p>
         </p:txBody>
       </p:sp>
@@ -19651,11 +19658,15 @@
             </a:r>
             <a:r>
               <a:rPr lang="nl-NL" sz="1800" dirty="0" err="1" smtClean="0"/>
-              <a:t>quantitative</a:t>
+              <a:t>numerical</a:t>
             </a:r>
             <a:r>
               <a:rPr lang="nl-NL" sz="1800" dirty="0" smtClean="0"/>
-              <a:t> variables ‘move </a:t>
+              <a:t> </a:t>
+            </a:r>
+            <a:r>
+              <a:rPr lang="nl-NL" sz="1800" dirty="0" smtClean="0"/>
+              <a:t>variables ‘move </a:t>
             </a:r>
             <a:r>
               <a:rPr lang="nl-NL" sz="1800" dirty="0" err="1" smtClean="0"/>
@@ -20152,7 +20163,7 @@
         <p:spPr>
           <a:xfrm>
             <a:off x="762000" y="1762125"/>
-            <a:ext cx="7881938" cy="2456057"/>
+            <a:ext cx="7881938" cy="2086725"/>
           </a:xfrm>
         </p:spPr>
         <p:txBody>
@@ -20245,27 +20256,11 @@
             </a:r>
             <a:r>
               <a:rPr lang="nl-NL" sz="2400" dirty="0" smtClean="0"/>
-              <a:t> a lot. </a:t>
-            </a:r>
-            <a:r>
-              <a:rPr lang="nl-NL" sz="2400" dirty="0" err="1" smtClean="0"/>
-              <a:t>Used</a:t>
+              <a:t> a lot</a:t>
             </a:r>
             <a:r>
               <a:rPr lang="nl-NL" sz="2400" dirty="0" smtClean="0"/>
-              <a:t> in </a:t>
-            </a:r>
-            <a:r>
-              <a:rPr lang="nl-NL" sz="2400" dirty="0" err="1" smtClean="0"/>
-              <a:t>theird</a:t>
-            </a:r>
-            <a:r>
-              <a:rPr lang="nl-NL" sz="2400" dirty="0" smtClean="0"/>
-              <a:t> </a:t>
-            </a:r>
-            <a:r>
-              <a:rPr lang="nl-NL" sz="2400" dirty="0" err="1" smtClean="0"/>
-              <a:t>exercise</a:t>
+              <a:t>.</a:t>
             </a:r>
             <a:endParaRPr lang="nl-NL" sz="2400" dirty="0" smtClean="0"/>
           </a:p>
@@ -27277,7 +27272,7 @@
         </p:nvSpPr>
         <p:spPr>
           <a:xfrm>
-            <a:off x="467548" y="5191617"/>
+            <a:off x="396078" y="5168785"/>
             <a:ext cx="8286808" cy="923330"/>
           </a:xfrm>
           <a:prstGeom prst="rect">
